--- a/QUE DEBES CONOCER PARA GANAR CUALQUER BATALLA.pptx
+++ b/QUE DEBES CONOCER PARA GANAR CUALQUER BATALLA.pptx
@@ -10,8 +10,13 @@
     <p:sldId id="258" r:id="rId4"/>
     <p:sldId id="259" r:id="rId5"/>
     <p:sldId id="260" r:id="rId6"/>
-    <p:sldId id="261" r:id="rId7"/>
-    <p:sldId id="262" r:id="rId8"/>
+    <p:sldId id="263" r:id="rId7"/>
+    <p:sldId id="267" r:id="rId8"/>
+    <p:sldId id="264" r:id="rId9"/>
+    <p:sldId id="265" r:id="rId10"/>
+    <p:sldId id="266" r:id="rId11"/>
+    <p:sldId id="261" r:id="rId12"/>
+    <p:sldId id="262" r:id="rId13"/>
   </p:sldIdLst>
   <p:sldSz cx="12192000" cy="6858000"/>
   <p:notesSz cx="6858000" cy="9144000"/>
@@ -110,6 +115,11 @@
       </a:defRPr>
     </a:lvl9pPr>
   </p:defaultTextStyle>
+  <p:extLst>
+    <p:ext uri="{EFAFB233-063F-42B5-8137-9DF3F51BA10A}">
+      <p15:sldGuideLst xmlns:p15="http://schemas.microsoft.com/office/powerpoint/2012/main"/>
+    </p:ext>
+  </p:extLst>
 </p:presentation>
 </file>
 
@@ -262,7 +272,7 @@
           <a:p>
             <a:fld id="{8A131EE0-94F6-462A-8F98-93C44F6CA245}" type="datetimeFigureOut">
               <a:rPr lang="es-CO" smtClean="0"/>
-              <a:t>22/07/2023</a:t>
+              <a:t>23/07/2023</a:t>
             </a:fld>
             <a:endParaRPr lang="es-CO"/>
           </a:p>
@@ -462,7 +472,7 @@
           <a:p>
             <a:fld id="{8A131EE0-94F6-462A-8F98-93C44F6CA245}" type="datetimeFigureOut">
               <a:rPr lang="es-CO" smtClean="0"/>
-              <a:t>22/07/2023</a:t>
+              <a:t>23/07/2023</a:t>
             </a:fld>
             <a:endParaRPr lang="es-CO"/>
           </a:p>
@@ -672,7 +682,7 @@
           <a:p>
             <a:fld id="{8A131EE0-94F6-462A-8F98-93C44F6CA245}" type="datetimeFigureOut">
               <a:rPr lang="es-CO" smtClean="0"/>
-              <a:t>22/07/2023</a:t>
+              <a:t>23/07/2023</a:t>
             </a:fld>
             <a:endParaRPr lang="es-CO"/>
           </a:p>
@@ -872,7 +882,7 @@
           <a:p>
             <a:fld id="{8A131EE0-94F6-462A-8F98-93C44F6CA245}" type="datetimeFigureOut">
               <a:rPr lang="es-CO" smtClean="0"/>
-              <a:t>22/07/2023</a:t>
+              <a:t>23/07/2023</a:t>
             </a:fld>
             <a:endParaRPr lang="es-CO"/>
           </a:p>
@@ -1148,7 +1158,7 @@
           <a:p>
             <a:fld id="{8A131EE0-94F6-462A-8F98-93C44F6CA245}" type="datetimeFigureOut">
               <a:rPr lang="es-CO" smtClean="0"/>
-              <a:t>22/07/2023</a:t>
+              <a:t>23/07/2023</a:t>
             </a:fld>
             <a:endParaRPr lang="es-CO"/>
           </a:p>
@@ -1416,7 +1426,7 @@
           <a:p>
             <a:fld id="{8A131EE0-94F6-462A-8F98-93C44F6CA245}" type="datetimeFigureOut">
               <a:rPr lang="es-CO" smtClean="0"/>
-              <a:t>22/07/2023</a:t>
+              <a:t>23/07/2023</a:t>
             </a:fld>
             <a:endParaRPr lang="es-CO"/>
           </a:p>
@@ -1831,7 +1841,7 @@
           <a:p>
             <a:fld id="{8A131EE0-94F6-462A-8F98-93C44F6CA245}" type="datetimeFigureOut">
               <a:rPr lang="es-CO" smtClean="0"/>
-              <a:t>22/07/2023</a:t>
+              <a:t>23/07/2023</a:t>
             </a:fld>
             <a:endParaRPr lang="es-CO"/>
           </a:p>
@@ -1973,7 +1983,7 @@
           <a:p>
             <a:fld id="{8A131EE0-94F6-462A-8F98-93C44F6CA245}" type="datetimeFigureOut">
               <a:rPr lang="es-CO" smtClean="0"/>
-              <a:t>22/07/2023</a:t>
+              <a:t>23/07/2023</a:t>
             </a:fld>
             <a:endParaRPr lang="es-CO"/>
           </a:p>
@@ -2086,7 +2096,7 @@
           <a:p>
             <a:fld id="{8A131EE0-94F6-462A-8F98-93C44F6CA245}" type="datetimeFigureOut">
               <a:rPr lang="es-CO" smtClean="0"/>
-              <a:t>22/07/2023</a:t>
+              <a:t>23/07/2023</a:t>
             </a:fld>
             <a:endParaRPr lang="es-CO"/>
           </a:p>
@@ -2399,7 +2409,7 @@
           <a:p>
             <a:fld id="{8A131EE0-94F6-462A-8F98-93C44F6CA245}" type="datetimeFigureOut">
               <a:rPr lang="es-CO" smtClean="0"/>
-              <a:t>22/07/2023</a:t>
+              <a:t>23/07/2023</a:t>
             </a:fld>
             <a:endParaRPr lang="es-CO"/>
           </a:p>
@@ -2688,7 +2698,7 @@
           <a:p>
             <a:fld id="{8A131EE0-94F6-462A-8F98-93C44F6CA245}" type="datetimeFigureOut">
               <a:rPr lang="es-CO" smtClean="0"/>
-              <a:t>22/07/2023</a:t>
+              <a:t>23/07/2023</a:t>
             </a:fld>
             <a:endParaRPr lang="es-CO"/>
           </a:p>
@@ -2931,7 +2941,7 @@
           <a:p>
             <a:fld id="{8A131EE0-94F6-462A-8F98-93C44F6CA245}" type="datetimeFigureOut">
               <a:rPr lang="es-CO" smtClean="0"/>
-              <a:t>22/07/2023</a:t>
+              <a:t>23/07/2023</a:t>
             </a:fld>
             <a:endParaRPr lang="es-CO"/>
           </a:p>
@@ -3427,6 +3437,435 @@
 </p:sld>
 </file>
 
+<file path=ppt/slides/slide10.xml><?xml version="1.0" encoding="utf-8"?>
+<p:sld xmlns:a="http://schemas.openxmlformats.org/drawingml/2006/main" xmlns:r="http://schemas.openxmlformats.org/officeDocument/2006/relationships" xmlns:p="http://schemas.openxmlformats.org/presentationml/2006/main">
+  <p:cSld>
+    <p:spTree>
+      <p:nvGrpSpPr>
+        <p:cNvPr id="1" name=""/>
+        <p:cNvGrpSpPr/>
+        <p:nvPr/>
+      </p:nvGrpSpPr>
+      <p:grpSpPr>
+        <a:xfrm>
+          <a:off x="0" y="0"/>
+          <a:ext cx="0" cy="0"/>
+          <a:chOff x="0" y="0"/>
+          <a:chExt cx="0" cy="0"/>
+        </a:xfrm>
+      </p:grpSpPr>
+      <p:sp>
+        <p:nvSpPr>
+          <p:cNvPr id="2" name="Título 1">
+            <a:extLst>
+              <a:ext uri="{FF2B5EF4-FFF2-40B4-BE49-F238E27FC236}">
+                <a16:creationId xmlns:a16="http://schemas.microsoft.com/office/drawing/2014/main" id="{1852EAB1-9845-5252-8BA1-2AACED5C6A5D}"/>
+              </a:ext>
+            </a:extLst>
+          </p:cNvPr>
+          <p:cNvSpPr>
+            <a:spLocks noGrp="1"/>
+          </p:cNvSpPr>
+          <p:nvPr>
+            <p:ph type="title"/>
+          </p:nvPr>
+        </p:nvSpPr>
+        <p:spPr/>
+        <p:txBody>
+          <a:bodyPr/>
+          <a:lstStyle/>
+          <a:p>
+            <a:r>
+              <a:rPr lang="es-ES" dirty="0"/>
+              <a:t>Sintaxis</a:t>
+            </a:r>
+            <a:endParaRPr lang="es-CO" dirty="0"/>
+          </a:p>
+        </p:txBody>
+      </p:sp>
+      <p:sp>
+        <p:nvSpPr>
+          <p:cNvPr id="3" name="Marcador de contenido 2">
+            <a:extLst>
+              <a:ext uri="{FF2B5EF4-FFF2-40B4-BE49-F238E27FC236}">
+                <a16:creationId xmlns:a16="http://schemas.microsoft.com/office/drawing/2014/main" id="{40E7DAC1-7E51-0985-98F4-E97D9CC7841A}"/>
+              </a:ext>
+            </a:extLst>
+          </p:cNvPr>
+          <p:cNvSpPr>
+            <a:spLocks noGrp="1"/>
+          </p:cNvSpPr>
+          <p:nvPr>
+            <p:ph idx="1"/>
+          </p:nvPr>
+        </p:nvSpPr>
+        <p:spPr/>
+        <p:txBody>
+          <a:bodyPr>
+            <a:normAutofit/>
+          </a:bodyPr>
+          <a:lstStyle/>
+          <a:p>
+            <a:pPr marL="0" indent="0">
+              <a:buNone/>
+            </a:pPr>
+            <a:r>
+              <a:rPr lang="es-ES" dirty="0"/>
+              <a:t>La sintaxis general de esta función es:</a:t>
+            </a:r>
+            <a:endParaRPr lang="es-ES" sz="2400" dirty="0"/>
+          </a:p>
+          <a:p>
+            <a:r>
+              <a:rPr lang="es-ES" sz="2400" dirty="0"/>
+              <a:t>wordcloud2(data=</a:t>
+            </a:r>
+            <a:r>
+              <a:rPr lang="es-ES" sz="2400" dirty="0" err="1"/>
+              <a:t>demoFreq</a:t>
+            </a:r>
+            <a:r>
+              <a:rPr lang="es-ES" sz="2400" dirty="0"/>
+              <a:t>, </a:t>
+            </a:r>
+            <a:r>
+              <a:rPr lang="es-ES" sz="2400" dirty="0" err="1"/>
+              <a:t>size</a:t>
+            </a:r>
+            <a:r>
+              <a:rPr lang="es-ES" sz="2400" dirty="0"/>
+              <a:t> = 0.7, color = </a:t>
+            </a:r>
+            <a:r>
+              <a:rPr lang="es-ES" sz="2400" dirty="0" err="1"/>
+              <a:t>rep_len</a:t>
+            </a:r>
+            <a:r>
+              <a:rPr lang="es-ES" sz="2400" dirty="0"/>
+              <a:t>(c('</a:t>
+            </a:r>
+            <a:r>
+              <a:rPr lang="es-ES" sz="2400" dirty="0" err="1"/>
+              <a:t>Black','Red</a:t>
+            </a:r>
+            <a:r>
+              <a:rPr lang="es-ES" sz="2400" dirty="0"/>
+              <a:t>'), </a:t>
+            </a:r>
+            <a:r>
+              <a:rPr lang="es-ES" sz="2400" dirty="0" err="1"/>
+              <a:t>nrow</a:t>
+            </a:r>
+            <a:r>
+              <a:rPr lang="es-ES" sz="2400" dirty="0"/>
+              <a:t>(</a:t>
+            </a:r>
+            <a:r>
+              <a:rPr lang="es-ES" sz="2400" dirty="0" err="1"/>
+              <a:t>demoFreq</a:t>
+            </a:r>
+            <a:r>
+              <a:rPr lang="es-ES" sz="2400" dirty="0"/>
+              <a:t>)))</a:t>
+            </a:r>
+          </a:p>
+          <a:p>
+            <a:r>
+              <a:rPr lang="es-ES" sz="2400" dirty="0"/>
+              <a:t>data = es el archivo de datos de entrada.</a:t>
+            </a:r>
+          </a:p>
+          <a:p>
+            <a:r>
+              <a:rPr lang="es-ES" sz="2400" dirty="0" err="1"/>
+              <a:t>size</a:t>
+            </a:r>
+            <a:r>
+              <a:rPr lang="es-ES" sz="2400" dirty="0"/>
+              <a:t> = el tamaño de las palabras que serán mostradas en la gráfico de la nube.</a:t>
+            </a:r>
+          </a:p>
+          <a:p>
+            <a:r>
+              <a:rPr lang="es-ES" sz="2400" dirty="0"/>
+              <a:t>color = será el color de las palabras.</a:t>
+            </a:r>
+          </a:p>
+          <a:p>
+            <a:r>
+              <a:rPr lang="es-ES" sz="2400" dirty="0" err="1"/>
+              <a:t>backgroundcolor</a:t>
+            </a:r>
+            <a:r>
+              <a:rPr lang="es-ES" sz="2400" dirty="0"/>
+              <a:t> = para ajustar el color de fonde del </a:t>
+            </a:r>
+            <a:r>
+              <a:rPr lang="es-ES" sz="2400" dirty="0" err="1"/>
+              <a:t>gŕafico</a:t>
+            </a:r>
+            <a:r>
+              <a:rPr lang="es-ES" sz="2400" dirty="0"/>
+              <a:t>.</a:t>
+            </a:r>
+          </a:p>
+          <a:p>
+            <a:r>
+              <a:rPr lang="es-ES" sz="2400" dirty="0" err="1"/>
+              <a:t>shape</a:t>
+            </a:r>
+            <a:r>
+              <a:rPr lang="es-ES" sz="2400" dirty="0"/>
+              <a:t> = la forma que tendrá la nube de palabras (</a:t>
+            </a:r>
+            <a:r>
+              <a:rPr lang="es-ES" sz="2400" dirty="0" err="1"/>
+              <a:t>star</a:t>
+            </a:r>
+            <a:r>
+              <a:rPr lang="es-ES" sz="2400" dirty="0"/>
+              <a:t>, </a:t>
+            </a:r>
+            <a:r>
+              <a:rPr lang="es-ES" sz="2400" dirty="0" err="1"/>
+              <a:t>cardioid</a:t>
+            </a:r>
+            <a:r>
+              <a:rPr lang="es-ES" sz="2400" dirty="0"/>
+              <a:t>, </a:t>
+            </a:r>
+            <a:r>
+              <a:rPr lang="es-ES" sz="2400" dirty="0" err="1"/>
+              <a:t>circle</a:t>
+            </a:r>
+            <a:r>
+              <a:rPr lang="es-ES" sz="2400" dirty="0"/>
+              <a:t>, </a:t>
+            </a:r>
+            <a:r>
+              <a:rPr lang="es-ES" sz="2400" dirty="0" err="1"/>
+              <a:t>triangle</a:t>
+            </a:r>
+            <a:r>
+              <a:rPr lang="es-ES" sz="2400" dirty="0"/>
+              <a:t>, …).</a:t>
+            </a:r>
+          </a:p>
+          <a:p>
+            <a:r>
+              <a:rPr lang="es-ES" sz="2400" dirty="0"/>
+              <a:t>min/</a:t>
+            </a:r>
+            <a:r>
+              <a:rPr lang="es-ES" sz="2400" dirty="0" err="1"/>
+              <a:t>max</a:t>
+            </a:r>
+            <a:r>
+              <a:rPr lang="es-ES" sz="2400" dirty="0"/>
+              <a:t> </a:t>
+            </a:r>
+            <a:r>
+              <a:rPr lang="es-ES" sz="2400" dirty="0" err="1"/>
+              <a:t>rotation</a:t>
+            </a:r>
+            <a:r>
+              <a:rPr lang="es-ES" sz="2400" dirty="0"/>
+              <a:t> = el ángulo de rotación de las palabras.</a:t>
+            </a:r>
+            <a:endParaRPr lang="es-CO" sz="2400" dirty="0"/>
+          </a:p>
+        </p:txBody>
+      </p:sp>
+    </p:spTree>
+    <p:extLst>
+      <p:ext uri="{BB962C8B-B14F-4D97-AF65-F5344CB8AC3E}">
+        <p14:creationId xmlns:p14="http://schemas.microsoft.com/office/powerpoint/2010/main" val="2799362463"/>
+      </p:ext>
+    </p:extLst>
+  </p:cSld>
+  <p:clrMapOvr>
+    <a:masterClrMapping/>
+  </p:clrMapOvr>
+</p:sld>
+</file>
+
+<file path=ppt/slides/slide11.xml><?xml version="1.0" encoding="utf-8"?>
+<p:sld xmlns:a="http://schemas.openxmlformats.org/drawingml/2006/main" xmlns:r="http://schemas.openxmlformats.org/officeDocument/2006/relationships" xmlns:p="http://schemas.openxmlformats.org/presentationml/2006/main">
+  <p:cSld>
+    <p:spTree>
+      <p:nvGrpSpPr>
+        <p:cNvPr id="1" name=""/>
+        <p:cNvGrpSpPr/>
+        <p:nvPr/>
+      </p:nvGrpSpPr>
+      <p:grpSpPr>
+        <a:xfrm>
+          <a:off x="0" y="0"/>
+          <a:ext cx="0" cy="0"/>
+          <a:chOff x="0" y="0"/>
+          <a:chExt cx="0" cy="0"/>
+        </a:xfrm>
+      </p:grpSpPr>
+      <p:sp>
+        <p:nvSpPr>
+          <p:cNvPr id="2" name="Título 1">
+            <a:extLst>
+              <a:ext uri="{FF2B5EF4-FFF2-40B4-BE49-F238E27FC236}">
+                <a16:creationId xmlns:a16="http://schemas.microsoft.com/office/drawing/2014/main" id="{2937F4A4-8429-4E77-3E56-2D65B5E32485}"/>
+              </a:ext>
+            </a:extLst>
+          </p:cNvPr>
+          <p:cNvSpPr>
+            <a:spLocks noGrp="1"/>
+          </p:cNvSpPr>
+          <p:nvPr>
+            <p:ph type="title"/>
+          </p:nvPr>
+        </p:nvSpPr>
+        <p:spPr/>
+        <p:txBody>
+          <a:bodyPr/>
+          <a:lstStyle/>
+          <a:p>
+            <a:endParaRPr lang="es-CO"/>
+          </a:p>
+        </p:txBody>
+      </p:sp>
+      <p:sp>
+        <p:nvSpPr>
+          <p:cNvPr id="3" name="Marcador de contenido 2">
+            <a:extLst>
+              <a:ext uri="{FF2B5EF4-FFF2-40B4-BE49-F238E27FC236}">
+                <a16:creationId xmlns:a16="http://schemas.microsoft.com/office/drawing/2014/main" id="{54A74009-E634-BDCA-E043-FD26F6C7727B}"/>
+              </a:ext>
+            </a:extLst>
+          </p:cNvPr>
+          <p:cNvSpPr>
+            <a:spLocks noGrp="1"/>
+          </p:cNvSpPr>
+          <p:nvPr>
+            <p:ph idx="1"/>
+          </p:nvPr>
+        </p:nvSpPr>
+        <p:spPr/>
+        <p:txBody>
+          <a:bodyPr>
+            <a:normAutofit/>
+          </a:bodyPr>
+          <a:lstStyle/>
+          <a:p>
+            <a:pPr algn="l"/>
+            <a:r>
+              <a:rPr lang="es-ES" b="0" i="0" dirty="0">
+                <a:solidFill>
+                  <a:srgbClr val="374151"/>
+                </a:solidFill>
+                <a:effectLst/>
+                <a:latin typeface="Söhne"/>
+              </a:rPr>
+              <a:t>Así que, valientes guerreros, recuerden que antes de enfrentarse al fragor de la batalla, el conocimiento es su aliado más poderoso. Armados con información y sabiduría, estarán listos para enfrentar cualquier desafío y alcanzar la gloria.</a:t>
+            </a:r>
+          </a:p>
+        </p:txBody>
+      </p:sp>
+    </p:spTree>
+    <p:extLst>
+      <p:ext uri="{BB962C8B-B14F-4D97-AF65-F5344CB8AC3E}">
+        <p14:creationId xmlns:p14="http://schemas.microsoft.com/office/powerpoint/2010/main" val="1412980007"/>
+      </p:ext>
+    </p:extLst>
+  </p:cSld>
+  <p:clrMapOvr>
+    <a:masterClrMapping/>
+  </p:clrMapOvr>
+</p:sld>
+</file>
+
+<file path=ppt/slides/slide12.xml><?xml version="1.0" encoding="utf-8"?>
+<p:sld xmlns:a="http://schemas.openxmlformats.org/drawingml/2006/main" xmlns:r="http://schemas.openxmlformats.org/officeDocument/2006/relationships" xmlns:p="http://schemas.openxmlformats.org/presentationml/2006/main">
+  <p:cSld>
+    <p:spTree>
+      <p:nvGrpSpPr>
+        <p:cNvPr id="1" name=""/>
+        <p:cNvGrpSpPr/>
+        <p:nvPr/>
+      </p:nvGrpSpPr>
+      <p:grpSpPr>
+        <a:xfrm>
+          <a:off x="0" y="0"/>
+          <a:ext cx="0" cy="0"/>
+          <a:chOff x="0" y="0"/>
+          <a:chExt cx="0" cy="0"/>
+        </a:xfrm>
+      </p:grpSpPr>
+      <p:sp>
+        <p:nvSpPr>
+          <p:cNvPr id="2" name="Título 1">
+            <a:extLst>
+              <a:ext uri="{FF2B5EF4-FFF2-40B4-BE49-F238E27FC236}">
+                <a16:creationId xmlns:a16="http://schemas.microsoft.com/office/drawing/2014/main" id="{E40CF13E-736E-3A27-E820-834810576FF8}"/>
+              </a:ext>
+            </a:extLst>
+          </p:cNvPr>
+          <p:cNvSpPr>
+            <a:spLocks noGrp="1"/>
+          </p:cNvSpPr>
+          <p:nvPr>
+            <p:ph type="title"/>
+          </p:nvPr>
+        </p:nvSpPr>
+        <p:spPr>
+          <a:xfrm>
+            <a:off x="838200" y="2766218"/>
+            <a:ext cx="10515600" cy="1325563"/>
+          </a:xfrm>
+        </p:spPr>
+        <p:txBody>
+          <a:bodyPr>
+            <a:normAutofit fontScale="90000"/>
+          </a:bodyPr>
+          <a:lstStyle/>
+          <a:p>
+            <a:pPr algn="ctr"/>
+            <a:br>
+              <a:rPr lang="es-CO" dirty="0"/>
+            </a:br>
+            <a:r>
+              <a:rPr lang="es-ES" b="0" i="0" dirty="0">
+                <a:solidFill>
+                  <a:srgbClr val="374151"/>
+                </a:solidFill>
+                <a:effectLst/>
+                <a:latin typeface="Söhne"/>
+              </a:rPr>
+              <a:t>¡Que la fuerza del saber los guíe hacia la victoria! ¡Adelante a la batalla!</a:t>
+            </a:r>
+            <a:br>
+              <a:rPr lang="es-ES" b="0" i="0" dirty="0">
+                <a:solidFill>
+                  <a:srgbClr val="374151"/>
+                </a:solidFill>
+                <a:effectLst/>
+                <a:latin typeface="Söhne"/>
+              </a:rPr>
+            </a:br>
+            <a:endParaRPr lang="es-CO" dirty="0"/>
+          </a:p>
+        </p:txBody>
+      </p:sp>
+    </p:spTree>
+    <p:extLst>
+      <p:ext uri="{BB962C8B-B14F-4D97-AF65-F5344CB8AC3E}">
+        <p14:creationId xmlns:p14="http://schemas.microsoft.com/office/powerpoint/2010/main" val="1399812589"/>
+      </p:ext>
+    </p:extLst>
+  </p:cSld>
+  <p:clrMapOvr>
+    <a:masterClrMapping/>
+  </p:clrMapOvr>
+</p:sld>
+</file>
+
 <file path=ppt/slides/slide2.xml><?xml version="1.0" encoding="utf-8"?>
 <p:sld xmlns:a="http://schemas.openxmlformats.org/drawingml/2006/main" xmlns:r="http://schemas.openxmlformats.org/officeDocument/2006/relationships" xmlns:p="http://schemas.openxmlformats.org/presentationml/2006/main">
   <p:cSld>
@@ -3892,7 +4331,7 @@
           <p:cNvPr id="2" name="Título 1">
             <a:extLst>
               <a:ext uri="{FF2B5EF4-FFF2-40B4-BE49-F238E27FC236}">
-                <a16:creationId xmlns:a16="http://schemas.microsoft.com/office/drawing/2014/main" id="{2937F4A4-8429-4E77-3E56-2D65B5E32485}"/>
+                <a16:creationId xmlns:a16="http://schemas.microsoft.com/office/drawing/2014/main" id="{9DD96EEA-FD12-4840-9623-1D382B3B1217}"/>
               </a:ext>
             </a:extLst>
           </p:cNvPr>
@@ -3908,43 +4347,354 @@
           <a:bodyPr/>
           <a:lstStyle/>
           <a:p>
-            <a:endParaRPr lang="es-CO"/>
-          </a:p>
-        </p:txBody>
-      </p:sp>
-      <p:sp>
-        <p:nvSpPr>
-          <p:cNvPr id="3" name="Marcador de contenido 2">
-            <a:extLst>
-              <a:ext uri="{FF2B5EF4-FFF2-40B4-BE49-F238E27FC236}">
-                <a16:creationId xmlns:a16="http://schemas.microsoft.com/office/drawing/2014/main" id="{54A74009-E634-BDCA-E043-FD26F6C7727B}"/>
-              </a:ext>
-            </a:extLst>
-          </p:cNvPr>
-          <p:cNvSpPr>
-            <a:spLocks noGrp="1"/>
-          </p:cNvSpPr>
-          <p:nvPr>
-            <p:ph idx="1"/>
-          </p:nvPr>
-        </p:nvSpPr>
-        <p:spPr/>
-        <p:txBody>
-          <a:bodyPr>
-            <a:normAutofit/>
-          </a:bodyPr>
-          <a:lstStyle/>
-          <a:p>
-            <a:pPr algn="l"/>
-            <a:r>
-              <a:rPr lang="es-ES" b="0" i="0" dirty="0">
+            <a:r>
+              <a:rPr lang="es-ES"/>
+              <a:t>Librería </a:t>
+            </a:r>
+            <a:r>
+              <a:rPr lang="es-ES" sz="4400" b="0" i="0">
                 <a:solidFill>
-                  <a:srgbClr val="374151"/>
+                  <a:srgbClr val="2E3A45"/>
                 </a:solidFill>
                 <a:effectLst/>
-                <a:latin typeface="Söhne"/>
+                <a:latin typeface="Source Sans Pro" panose="020B0503030403020204" pitchFamily="34" charset="0"/>
               </a:rPr>
-              <a:t>Así que, valientes guerreros, recuerden que antes de enfrentarse al fragor de la batalla, el conocimiento es su aliado más poderoso. Armados con información y sabiduría, estarán listos para enfrentar cualquier desafío y alcanzar la gloria.</a:t>
+              <a:t>ggplot2</a:t>
+            </a:r>
+            <a:endParaRPr lang="es-CO" dirty="0"/>
+          </a:p>
+        </p:txBody>
+      </p:sp>
+      <p:sp>
+        <p:nvSpPr>
+          <p:cNvPr id="3" name="Marcador de contenido 2">
+            <a:extLst>
+              <a:ext uri="{FF2B5EF4-FFF2-40B4-BE49-F238E27FC236}">
+                <a16:creationId xmlns:a16="http://schemas.microsoft.com/office/drawing/2014/main" id="{E6D5669C-089E-8FFC-6554-7E1E2200D050}"/>
+              </a:ext>
+            </a:extLst>
+          </p:cNvPr>
+          <p:cNvSpPr>
+            <a:spLocks noGrp="1"/>
+          </p:cNvSpPr>
+          <p:nvPr>
+            <p:ph idx="1"/>
+          </p:nvPr>
+        </p:nvSpPr>
+        <p:spPr/>
+        <p:txBody>
+          <a:bodyPr>
+            <a:normAutofit fontScale="85000" lnSpcReduction="20000"/>
+          </a:bodyPr>
+          <a:lstStyle/>
+          <a:p>
+            <a:r>
+              <a:rPr lang="es-ES" sz="3300" b="0" i="0" dirty="0">
+                <a:solidFill>
+                  <a:srgbClr val="2E3A45"/>
+                </a:solidFill>
+                <a:effectLst/>
+                <a:latin typeface="Source Sans Pro" panose="020B0503030403020204" pitchFamily="34" charset="0"/>
+              </a:rPr>
+              <a:t>ggplot2 es un sistema para crear gráficos declarativamente, basado en </a:t>
+            </a:r>
+            <a:r>
+              <a:rPr lang="es-ES" sz="3300" b="0" i="0" u="sng" dirty="0" err="1">
+                <a:effectLst/>
+                <a:latin typeface="Source Sans Pro" panose="020B0503030403020204" pitchFamily="34" charset="0"/>
+                <a:hlinkClick r:id="rId2"/>
+              </a:rPr>
+              <a:t>The</a:t>
+            </a:r>
+            <a:r>
+              <a:rPr lang="es-ES" sz="3300" b="0" i="0" u="sng" dirty="0">
+                <a:effectLst/>
+                <a:latin typeface="Source Sans Pro" panose="020B0503030403020204" pitchFamily="34" charset="0"/>
+                <a:hlinkClick r:id="rId2"/>
+              </a:rPr>
+              <a:t> </a:t>
+            </a:r>
+            <a:r>
+              <a:rPr lang="es-ES" sz="3300" b="0" i="0" u="sng" dirty="0" err="1">
+                <a:effectLst/>
+                <a:latin typeface="Source Sans Pro" panose="020B0503030403020204" pitchFamily="34" charset="0"/>
+                <a:hlinkClick r:id="rId2"/>
+              </a:rPr>
+              <a:t>Grammar</a:t>
+            </a:r>
+            <a:r>
+              <a:rPr lang="es-ES" sz="3300" b="0" i="0" u="sng" dirty="0">
+                <a:effectLst/>
+                <a:latin typeface="Source Sans Pro" panose="020B0503030403020204" pitchFamily="34" charset="0"/>
+                <a:hlinkClick r:id="rId2"/>
+              </a:rPr>
+              <a:t> </a:t>
+            </a:r>
+            <a:r>
+              <a:rPr lang="es-ES" sz="3300" b="0" i="0" u="sng" dirty="0" err="1">
+                <a:effectLst/>
+                <a:latin typeface="Source Sans Pro" panose="020B0503030403020204" pitchFamily="34" charset="0"/>
+                <a:hlinkClick r:id="rId2"/>
+              </a:rPr>
+              <a:t>of</a:t>
+            </a:r>
+            <a:r>
+              <a:rPr lang="es-ES" sz="3300" b="0" i="0" u="sng" dirty="0">
+                <a:effectLst/>
+                <a:latin typeface="Source Sans Pro" panose="020B0503030403020204" pitchFamily="34" charset="0"/>
+                <a:hlinkClick r:id="rId2"/>
+              </a:rPr>
+              <a:t> </a:t>
+            </a:r>
+            <a:r>
+              <a:rPr lang="es-ES" sz="3300" b="0" i="0" u="sng" dirty="0" err="1">
+                <a:effectLst/>
+                <a:latin typeface="Source Sans Pro" panose="020B0503030403020204" pitchFamily="34" charset="0"/>
+                <a:hlinkClick r:id="rId2"/>
+              </a:rPr>
+              <a:t>Graphics</a:t>
+            </a:r>
+            <a:r>
+              <a:rPr lang="es-ES" sz="3300" b="0" i="0" dirty="0">
+                <a:solidFill>
+                  <a:srgbClr val="2E3A45"/>
+                </a:solidFill>
+                <a:effectLst/>
+                <a:latin typeface="Source Sans Pro" panose="020B0503030403020204" pitchFamily="34" charset="0"/>
+              </a:rPr>
+              <a:t> . Usted proporciona los datos, le dice a ggplot2 cómo asignar variables a la estética, qué primitivas gráficas usar y se ocupa de los detalles.</a:t>
+            </a:r>
+          </a:p>
+          <a:p>
+            <a:r>
+              <a:rPr lang="es-ES" sz="2100" b="0" i="0" dirty="0">
+                <a:solidFill>
+                  <a:srgbClr val="2E3A45"/>
+                </a:solidFill>
+                <a:effectLst/>
+                <a:latin typeface="Source Sans Pro" panose="020B0503030403020204" pitchFamily="34" charset="0"/>
+              </a:rPr>
+              <a:t># La forma más fácil de obtener ggplot2 es instalar todo el </a:t>
+            </a:r>
+            <a:r>
+              <a:rPr lang="es-ES" sz="2100" b="0" i="0" dirty="0" err="1">
+                <a:solidFill>
+                  <a:srgbClr val="2E3A45"/>
+                </a:solidFill>
+                <a:effectLst/>
+                <a:latin typeface="Source Sans Pro" panose="020B0503030403020204" pitchFamily="34" charset="0"/>
+              </a:rPr>
+              <a:t>tidyverse</a:t>
+            </a:r>
+            <a:r>
+              <a:rPr lang="es-ES" sz="2100" b="0" i="0" dirty="0">
+                <a:solidFill>
+                  <a:srgbClr val="2E3A45"/>
+                </a:solidFill>
+                <a:effectLst/>
+                <a:latin typeface="Source Sans Pro" panose="020B0503030403020204" pitchFamily="34" charset="0"/>
+              </a:rPr>
+              <a:t>:</a:t>
+            </a:r>
+          </a:p>
+          <a:p>
+            <a:r>
+              <a:rPr lang="es-ES" sz="2100" b="0" i="0" dirty="0" err="1">
+                <a:solidFill>
+                  <a:srgbClr val="2E3A45"/>
+                </a:solidFill>
+                <a:effectLst/>
+                <a:latin typeface="Source Sans Pro" panose="020B0503030403020204" pitchFamily="34" charset="0"/>
+              </a:rPr>
+              <a:t>install.packages</a:t>
+            </a:r>
+            <a:r>
+              <a:rPr lang="es-ES" sz="2100" b="0" i="0" dirty="0">
+                <a:solidFill>
+                  <a:srgbClr val="2E3A45"/>
+                </a:solidFill>
+                <a:effectLst/>
+                <a:latin typeface="Source Sans Pro" panose="020B0503030403020204" pitchFamily="34" charset="0"/>
+              </a:rPr>
+              <a:t>("</a:t>
+            </a:r>
+            <a:r>
+              <a:rPr lang="es-ES" sz="2100" b="0" i="0" dirty="0" err="1">
+                <a:solidFill>
+                  <a:srgbClr val="2E3A45"/>
+                </a:solidFill>
+                <a:effectLst/>
+                <a:latin typeface="Source Sans Pro" panose="020B0503030403020204" pitchFamily="34" charset="0"/>
+              </a:rPr>
+              <a:t>tidyverse</a:t>
+            </a:r>
+            <a:r>
+              <a:rPr lang="es-ES" sz="2100" b="0" i="0" dirty="0">
+                <a:solidFill>
+                  <a:srgbClr val="2E3A45"/>
+                </a:solidFill>
+                <a:effectLst/>
+                <a:latin typeface="Source Sans Pro" panose="020B0503030403020204" pitchFamily="34" charset="0"/>
+              </a:rPr>
+              <a:t>")</a:t>
+            </a:r>
+          </a:p>
+          <a:p>
+            <a:endParaRPr lang="es-ES" sz="2100" b="0" i="0" dirty="0">
+              <a:solidFill>
+                <a:srgbClr val="2E3A45"/>
+              </a:solidFill>
+              <a:effectLst/>
+              <a:latin typeface="Source Sans Pro" panose="020B0503030403020204" pitchFamily="34" charset="0"/>
+            </a:endParaRPr>
+          </a:p>
+          <a:p>
+            <a:r>
+              <a:rPr lang="es-ES" sz="2100" b="0" i="0" dirty="0">
+                <a:solidFill>
+                  <a:srgbClr val="2E3A45"/>
+                </a:solidFill>
+                <a:effectLst/>
+                <a:latin typeface="Source Sans Pro" panose="020B0503030403020204" pitchFamily="34" charset="0"/>
+              </a:rPr>
+              <a:t># Alternativamente, instale solo ggplot2:</a:t>
+            </a:r>
+          </a:p>
+          <a:p>
+            <a:r>
+              <a:rPr lang="es-ES" sz="2100" b="0" i="0" dirty="0" err="1">
+                <a:solidFill>
+                  <a:srgbClr val="2E3A45"/>
+                </a:solidFill>
+                <a:effectLst/>
+                <a:latin typeface="Source Sans Pro" panose="020B0503030403020204" pitchFamily="34" charset="0"/>
+              </a:rPr>
+              <a:t>instalar.paquetes</a:t>
+            </a:r>
+            <a:r>
+              <a:rPr lang="es-ES" sz="2100" b="0" i="0" dirty="0">
+                <a:solidFill>
+                  <a:srgbClr val="2E3A45"/>
+                </a:solidFill>
+                <a:effectLst/>
+                <a:latin typeface="Source Sans Pro" panose="020B0503030403020204" pitchFamily="34" charset="0"/>
+              </a:rPr>
+              <a:t>("ggplot2")</a:t>
+            </a:r>
+          </a:p>
+          <a:p>
+            <a:endParaRPr lang="es-ES" sz="2100" b="0" i="0" dirty="0">
+              <a:solidFill>
+                <a:srgbClr val="2E3A45"/>
+              </a:solidFill>
+              <a:effectLst/>
+              <a:latin typeface="Source Sans Pro" panose="020B0503030403020204" pitchFamily="34" charset="0"/>
+            </a:endParaRPr>
+          </a:p>
+          <a:p>
+            <a:r>
+              <a:rPr lang="es-ES" sz="2100" b="0" i="0" dirty="0">
+                <a:solidFill>
+                  <a:srgbClr val="2E3A45"/>
+                </a:solidFill>
+                <a:effectLst/>
+                <a:latin typeface="Source Sans Pro" panose="020B0503030403020204" pitchFamily="34" charset="0"/>
+              </a:rPr>
+              <a:t># O la versión de desarrollo de GitHub:</a:t>
+            </a:r>
+          </a:p>
+          <a:p>
+            <a:r>
+              <a:rPr lang="es-ES" sz="2100" b="0" i="0" dirty="0">
+                <a:solidFill>
+                  <a:srgbClr val="2E3A45"/>
+                </a:solidFill>
+                <a:effectLst/>
+                <a:latin typeface="Source Sans Pro" panose="020B0503030403020204" pitchFamily="34" charset="0"/>
+              </a:rPr>
+              <a:t># </a:t>
+            </a:r>
+            <a:r>
+              <a:rPr lang="es-ES" sz="2100" b="0" i="0" dirty="0" err="1">
+                <a:solidFill>
+                  <a:srgbClr val="2E3A45"/>
+                </a:solidFill>
+                <a:effectLst/>
+                <a:latin typeface="Source Sans Pro" panose="020B0503030403020204" pitchFamily="34" charset="0"/>
+              </a:rPr>
+              <a:t>install.packages</a:t>
+            </a:r>
+            <a:r>
+              <a:rPr lang="es-ES" sz="2100" b="0" i="0" dirty="0">
+                <a:solidFill>
+                  <a:srgbClr val="2E3A45"/>
+                </a:solidFill>
+                <a:effectLst/>
+                <a:latin typeface="Source Sans Pro" panose="020B0503030403020204" pitchFamily="34" charset="0"/>
+              </a:rPr>
+              <a:t>("paquete")</a:t>
+            </a:r>
+          </a:p>
+          <a:p>
+            <a:r>
+              <a:rPr lang="es-ES" sz="2100" b="0" i="0" dirty="0" err="1">
+                <a:solidFill>
+                  <a:srgbClr val="2E3A45"/>
+                </a:solidFill>
+                <a:effectLst/>
+                <a:latin typeface="Source Sans Pro" panose="020B0503030403020204" pitchFamily="34" charset="0"/>
+              </a:rPr>
+              <a:t>pak</a:t>
+            </a:r>
+            <a:r>
+              <a:rPr lang="es-ES" sz="2100" b="0" i="0" dirty="0">
+                <a:solidFill>
+                  <a:srgbClr val="2E3A45"/>
+                </a:solidFill>
+                <a:effectLst/>
+                <a:latin typeface="Source Sans Pro" panose="020B0503030403020204" pitchFamily="34" charset="0"/>
+              </a:rPr>
+              <a:t>::</a:t>
+            </a:r>
+            <a:r>
+              <a:rPr lang="es-ES" sz="2100" b="0" i="0" dirty="0" err="1">
+                <a:solidFill>
+                  <a:srgbClr val="2E3A45"/>
+                </a:solidFill>
+                <a:effectLst/>
+                <a:latin typeface="Source Sans Pro" panose="020B0503030403020204" pitchFamily="34" charset="0"/>
+              </a:rPr>
+              <a:t>pak</a:t>
+            </a:r>
+            <a:r>
+              <a:rPr lang="es-ES" sz="2100" b="0" i="0" dirty="0">
+                <a:solidFill>
+                  <a:srgbClr val="2E3A45"/>
+                </a:solidFill>
+                <a:effectLst/>
+                <a:latin typeface="Source Sans Pro" panose="020B0503030403020204" pitchFamily="34" charset="0"/>
+              </a:rPr>
+              <a:t>("</a:t>
+            </a:r>
+            <a:r>
+              <a:rPr lang="es-ES" sz="2100" b="0" i="0" dirty="0" err="1">
+                <a:solidFill>
+                  <a:srgbClr val="2E3A45"/>
+                </a:solidFill>
+                <a:effectLst/>
+                <a:latin typeface="Source Sans Pro" panose="020B0503030403020204" pitchFamily="34" charset="0"/>
+              </a:rPr>
+              <a:t>tidyverse</a:t>
+            </a:r>
+            <a:r>
+              <a:rPr lang="es-ES" sz="2100" b="0" i="0" dirty="0">
+                <a:solidFill>
+                  <a:srgbClr val="2E3A45"/>
+                </a:solidFill>
+                <a:effectLst/>
+                <a:latin typeface="Source Sans Pro" panose="020B0503030403020204" pitchFamily="34" charset="0"/>
+              </a:rPr>
+              <a:t>/ggplot2")</a:t>
             </a:r>
           </a:p>
         </p:txBody>
@@ -3952,7 +4702,7 @@
     </p:spTree>
     <p:extLst>
       <p:ext uri="{BB962C8B-B14F-4D97-AF65-F5344CB8AC3E}">
-        <p14:creationId xmlns:p14="http://schemas.microsoft.com/office/powerpoint/2010/main" val="1412980007"/>
+        <p14:creationId xmlns:p14="http://schemas.microsoft.com/office/powerpoint/2010/main" val="3556703902"/>
       </p:ext>
     </p:extLst>
   </p:cSld>
@@ -3984,7 +4734,7 @@
           <p:cNvPr id="2" name="Título 1">
             <a:extLst>
               <a:ext uri="{FF2B5EF4-FFF2-40B4-BE49-F238E27FC236}">
-                <a16:creationId xmlns:a16="http://schemas.microsoft.com/office/drawing/2014/main" id="{E40CF13E-736E-3A27-E820-834810576FF8}"/>
+                <a16:creationId xmlns:a16="http://schemas.microsoft.com/office/drawing/2014/main" id="{D78D24A6-82F6-B69C-DBE8-E34AD5BC5FD6}"/>
               </a:ext>
             </a:extLst>
           </p:cNvPr>
@@ -3995,49 +4745,448 @@
             <p:ph type="title"/>
           </p:nvPr>
         </p:nvSpPr>
-        <p:spPr>
-          <a:xfrm>
-            <a:off x="838200" y="2766218"/>
-            <a:ext cx="10515600" cy="1325563"/>
-          </a:xfrm>
-        </p:spPr>
+        <p:spPr/>
+        <p:txBody>
+          <a:bodyPr/>
+          <a:lstStyle/>
+          <a:p>
+            <a:endParaRPr lang="es-CO"/>
+          </a:p>
+        </p:txBody>
+      </p:sp>
+      <p:sp>
+        <p:nvSpPr>
+          <p:cNvPr id="3" name="Marcador de contenido 2">
+            <a:extLst>
+              <a:ext uri="{FF2B5EF4-FFF2-40B4-BE49-F238E27FC236}">
+                <a16:creationId xmlns:a16="http://schemas.microsoft.com/office/drawing/2014/main" id="{4C5CB410-5020-313C-2271-B98893D6CD0B}"/>
+              </a:ext>
+            </a:extLst>
+          </p:cNvPr>
+          <p:cNvSpPr>
+            <a:spLocks noGrp="1"/>
+          </p:cNvSpPr>
+          <p:nvPr>
+            <p:ph idx="1"/>
+          </p:nvPr>
+        </p:nvSpPr>
+        <p:spPr/>
         <p:txBody>
           <a:bodyPr>
-            <a:normAutofit fontScale="90000"/>
+            <a:normAutofit fontScale="55000" lnSpcReduction="20000"/>
           </a:bodyPr>
           <a:lstStyle/>
           <a:p>
-            <a:pPr algn="ctr"/>
-            <a:br>
-              <a:rPr lang="es-CO" dirty="0"/>
-            </a:br>
-            <a:r>
-              <a:rPr lang="es-ES" b="0" i="0" dirty="0">
-                <a:solidFill>
-                  <a:srgbClr val="374151"/>
-                </a:solidFill>
-                <a:effectLst/>
-                <a:latin typeface="Söhne"/>
-              </a:rPr>
-              <a:t>¡Que la fuerza del saber los guíe hacia la victoria! ¡Adelante a la batalla!</a:t>
-            </a:r>
-            <a:br>
-              <a:rPr lang="es-ES" b="0" i="0" dirty="0">
-                <a:solidFill>
-                  <a:srgbClr val="374151"/>
-                </a:solidFill>
-                <a:effectLst/>
-                <a:latin typeface="Söhne"/>
-              </a:rPr>
-            </a:br>
-            <a:endParaRPr lang="es-CO" dirty="0"/>
+            <a:r>
+              <a:rPr lang="es-ES" dirty="0"/>
+              <a:t>Es difícil describir sucintamente cómo funciona ggplot2 porque encarna una profunda filosofía de visualización. Sin embargo, en la mayoría de los casos, comienza con:</a:t>
+            </a:r>
+          </a:p>
+          <a:p>
+            <a:r>
+              <a:rPr lang="es-ES" dirty="0" err="1"/>
+              <a:t>ggplot</a:t>
+            </a:r>
+            <a:r>
+              <a:rPr lang="es-ES" dirty="0"/>
+              <a:t>(</a:t>
+            </a:r>
+            <a:r>
+              <a:rPr lang="es-ES" dirty="0" err="1"/>
+              <a:t>datos_grafico</a:t>
+            </a:r>
+            <a:r>
+              <a:rPr lang="es-ES" dirty="0"/>
+              <a:t>, </a:t>
+            </a:r>
+          </a:p>
+          <a:p>
+            <a:r>
+              <a:rPr lang="es-ES" dirty="0"/>
+              <a:t>aes(x = Palabra, y = Numero, </a:t>
+            </a:r>
+            <a:r>
+              <a:rPr lang="es-ES" dirty="0" err="1"/>
+              <a:t>fill</a:t>
+            </a:r>
+            <a:r>
+              <a:rPr lang="es-ES" dirty="0"/>
+              <a:t> = Palabra)) + </a:t>
+            </a:r>
+          </a:p>
+          <a:p>
+            <a:r>
+              <a:rPr lang="es-ES" dirty="0" err="1"/>
+              <a:t>geom_bar</a:t>
+            </a:r>
+            <a:r>
+              <a:rPr lang="es-ES" dirty="0"/>
+              <a:t>(</a:t>
+            </a:r>
+            <a:r>
+              <a:rPr lang="es-ES" dirty="0" err="1"/>
+              <a:t>stat</a:t>
+            </a:r>
+            <a:r>
+              <a:rPr lang="es-ES" dirty="0"/>
+              <a:t> = "</a:t>
+            </a:r>
+            <a:r>
+              <a:rPr lang="es-ES" dirty="0" err="1"/>
+              <a:t>identity</a:t>
+            </a:r>
+            <a:r>
+              <a:rPr lang="es-ES" dirty="0"/>
+              <a:t>", color = "</a:t>
+            </a:r>
+            <a:r>
+              <a:rPr lang="es-ES" dirty="0" err="1"/>
+              <a:t>black</a:t>
+            </a:r>
+            <a:r>
+              <a:rPr lang="es-ES" dirty="0"/>
+              <a:t>") +  </a:t>
+            </a:r>
+          </a:p>
+          <a:p>
+            <a:r>
+              <a:rPr lang="es-ES" dirty="0" err="1"/>
+              <a:t>labs</a:t>
+            </a:r>
+            <a:r>
+              <a:rPr lang="es-ES" dirty="0"/>
+              <a:t>(x = NULL, y = "Número de frases", </a:t>
+            </a:r>
+            <a:r>
+              <a:rPr lang="es-ES" dirty="0" err="1"/>
+              <a:t>title</a:t>
+            </a:r>
+            <a:r>
+              <a:rPr lang="es-ES" dirty="0"/>
+              <a:t> = "Frases que contienen palabras clave") + </a:t>
+            </a:r>
+          </a:p>
+          <a:p>
+            <a:r>
+              <a:rPr lang="es-ES" dirty="0"/>
+              <a:t> </a:t>
+            </a:r>
+            <a:r>
+              <a:rPr lang="es-ES" dirty="0" err="1"/>
+              <a:t>theme</a:t>
+            </a:r>
+            <a:r>
+              <a:rPr lang="es-ES" dirty="0"/>
+              <a:t>(</a:t>
+            </a:r>
+            <a:r>
+              <a:rPr lang="es-ES" dirty="0" err="1"/>
+              <a:t>axis.text.x</a:t>
+            </a:r>
+            <a:r>
+              <a:rPr lang="es-ES" dirty="0"/>
+              <a:t> = </a:t>
+            </a:r>
+            <a:r>
+              <a:rPr lang="es-ES" dirty="0" err="1"/>
+              <a:t>element_text</a:t>
+            </a:r>
+            <a:r>
+              <a:rPr lang="es-ES" dirty="0"/>
+              <a:t>(angle = 45, </a:t>
+            </a:r>
+            <a:r>
+              <a:rPr lang="es-ES" dirty="0" err="1"/>
+              <a:t>hjust</a:t>
+            </a:r>
+            <a:r>
+              <a:rPr lang="es-ES" dirty="0"/>
+              <a:t> = 1))</a:t>
+            </a:r>
+          </a:p>
+          <a:p>
+            <a:r>
+              <a:rPr lang="es-ES" dirty="0"/>
+              <a:t>El código utiliza la librería </a:t>
+            </a:r>
+            <a:r>
+              <a:rPr lang="es-ES" b="1" dirty="0"/>
+              <a:t>ggplot2</a:t>
+            </a:r>
+            <a:r>
+              <a:rPr lang="es-ES" dirty="0"/>
+              <a:t> en R para crear un gráfico de barras a partir de los datos proporcionados en el objeto </a:t>
+            </a:r>
+            <a:r>
+              <a:rPr lang="es-ES" dirty="0" err="1"/>
+              <a:t>datos_grafico</a:t>
+            </a:r>
+            <a:r>
+              <a:rPr lang="es-ES" dirty="0"/>
+              <a:t>. Se asigna la columna "Palabra" al eje x y la columna "Numero" al eje y. Además, se utiliza la columna "Palabra" para definir el color de las barras.</a:t>
+            </a:r>
+          </a:p>
+          <a:p>
+            <a:r>
+              <a:rPr lang="es-ES" dirty="0"/>
+              <a:t>Se agrega una capa al gráfico utilizando </a:t>
+            </a:r>
+            <a:r>
+              <a:rPr lang="es-ES" b="1" dirty="0" err="1"/>
+              <a:t>geom_bar</a:t>
+            </a:r>
+            <a:r>
+              <a:rPr lang="es-ES" dirty="0"/>
+              <a:t>, lo que crea un gráfico de barras. El argumento </a:t>
+            </a:r>
+            <a:r>
+              <a:rPr lang="es-ES" dirty="0" err="1"/>
+              <a:t>stat</a:t>
+            </a:r>
+            <a:r>
+              <a:rPr lang="es-ES" dirty="0"/>
+              <a:t> = "</a:t>
+            </a:r>
+            <a:r>
+              <a:rPr lang="es-ES" dirty="0" err="1"/>
+              <a:t>identity</a:t>
+            </a:r>
+            <a:r>
+              <a:rPr lang="es-ES" dirty="0"/>
+              <a:t>" indica que las alturas de las barras se toman directamente de los datos proporcionados en "Numero", en lugar de calcular frecuencias. El argumento color = "</a:t>
+            </a:r>
+            <a:r>
+              <a:rPr lang="es-ES" dirty="0" err="1"/>
+              <a:t>black</a:t>
+            </a:r>
+            <a:r>
+              <a:rPr lang="es-ES" dirty="0"/>
+              <a:t>" define el color del borde de las barras, que es negro.</a:t>
+            </a:r>
+          </a:p>
+          <a:p>
+            <a:r>
+              <a:rPr lang="es-ES" dirty="0"/>
+              <a:t>Se agregan etiquetas al gráfico mediante </a:t>
+            </a:r>
+            <a:r>
+              <a:rPr lang="es-ES" b="1" dirty="0" err="1"/>
+              <a:t>labs</a:t>
+            </a:r>
+            <a:r>
+              <a:rPr lang="es-ES" dirty="0"/>
+              <a:t>. La etiqueta del eje x se omite (x = NULL), y se asigna la etiqueta "Número de frases" al eje y. Además, se asigna el título "Frases que contienen palabras clave" al gráfico.</a:t>
+            </a:r>
+          </a:p>
+          <a:p>
+            <a:r>
+              <a:rPr lang="es-ES" dirty="0"/>
+              <a:t>Se personaliza el tema del gráfico utilizando </a:t>
+            </a:r>
+            <a:r>
+              <a:rPr lang="es-ES" b="1" dirty="0" err="1"/>
+              <a:t>theme</a:t>
+            </a:r>
+            <a:r>
+              <a:rPr lang="es-ES" dirty="0"/>
+              <a:t>. Se ajusta el ángulo del texto en el eje x a 45 grados (angle = 45) para evitar la superposición de etiquetas y mejorar la legibilidad. El argumento </a:t>
+            </a:r>
+            <a:r>
+              <a:rPr lang="es-ES" dirty="0" err="1"/>
+              <a:t>hjust</a:t>
+            </a:r>
+            <a:r>
+              <a:rPr lang="es-ES" dirty="0"/>
+              <a:t> = 1 alinea horizontalmente el texto en el eje x.</a:t>
+            </a:r>
           </a:p>
         </p:txBody>
       </p:sp>
     </p:spTree>
     <p:extLst>
       <p:ext uri="{BB962C8B-B14F-4D97-AF65-F5344CB8AC3E}">
-        <p14:creationId xmlns:p14="http://schemas.microsoft.com/office/powerpoint/2010/main" val="1399812589"/>
+        <p14:creationId xmlns:p14="http://schemas.microsoft.com/office/powerpoint/2010/main" val="4108334512"/>
+      </p:ext>
+    </p:extLst>
+  </p:cSld>
+  <p:clrMapOvr>
+    <a:masterClrMapping/>
+  </p:clrMapOvr>
+</p:sld>
+</file>
+
+<file path=ppt/slides/slide8.xml><?xml version="1.0" encoding="utf-8"?>
+<p:sld xmlns:a="http://schemas.openxmlformats.org/drawingml/2006/main" xmlns:r="http://schemas.openxmlformats.org/officeDocument/2006/relationships" xmlns:p="http://schemas.openxmlformats.org/presentationml/2006/main">
+  <p:cSld>
+    <p:spTree>
+      <p:nvGrpSpPr>
+        <p:cNvPr id="1" name=""/>
+        <p:cNvGrpSpPr/>
+        <p:nvPr/>
+      </p:nvGrpSpPr>
+      <p:grpSpPr>
+        <a:xfrm>
+          <a:off x="0" y="0"/>
+          <a:ext cx="0" cy="0"/>
+          <a:chOff x="0" y="0"/>
+          <a:chExt cx="0" cy="0"/>
+        </a:xfrm>
+      </p:grpSpPr>
+      <p:pic>
+        <p:nvPicPr>
+          <p:cNvPr id="5" name="Marcador de contenido 4">
+            <a:extLst>
+              <a:ext uri="{FF2B5EF4-FFF2-40B4-BE49-F238E27FC236}">
+                <a16:creationId xmlns:a16="http://schemas.microsoft.com/office/drawing/2014/main" id="{8A711D6B-AC0E-AF2F-2379-6039A51B9994}"/>
+              </a:ext>
+            </a:extLst>
+          </p:cNvPr>
+          <p:cNvPicPr>
+            <a:picLocks noGrp="1" noChangeAspect="1"/>
+          </p:cNvPicPr>
+          <p:nvPr>
+            <p:ph idx="1"/>
+          </p:nvPr>
+        </p:nvPicPr>
+        <p:blipFill>
+          <a:blip r:embed="rId2">
+            <a:extLst>
+              <a:ext uri="{28A0092B-C50C-407E-A947-70E740481C1C}">
+                <a14:useLocalDpi xmlns:a14="http://schemas.microsoft.com/office/drawing/2010/main" val="0"/>
+              </a:ext>
+            </a:extLst>
+          </a:blip>
+          <a:stretch>
+            <a:fillRect/>
+          </a:stretch>
+        </p:blipFill>
+        <p:spPr>
+          <a:xfrm>
+            <a:off x="1656521" y="0"/>
+            <a:ext cx="8878957" cy="6858994"/>
+          </a:xfrm>
+        </p:spPr>
+      </p:pic>
+    </p:spTree>
+    <p:extLst>
+      <p:ext uri="{BB962C8B-B14F-4D97-AF65-F5344CB8AC3E}">
+        <p14:creationId xmlns:p14="http://schemas.microsoft.com/office/powerpoint/2010/main" val="4150133507"/>
+      </p:ext>
+    </p:extLst>
+  </p:cSld>
+  <p:clrMapOvr>
+    <a:masterClrMapping/>
+  </p:clrMapOvr>
+</p:sld>
+</file>
+
+<file path=ppt/slides/slide9.xml><?xml version="1.0" encoding="utf-8"?>
+<p:sld xmlns:a="http://schemas.openxmlformats.org/drawingml/2006/main" xmlns:r="http://schemas.openxmlformats.org/officeDocument/2006/relationships" xmlns:p="http://schemas.openxmlformats.org/presentationml/2006/main">
+  <p:cSld>
+    <p:spTree>
+      <p:nvGrpSpPr>
+        <p:cNvPr id="1" name=""/>
+        <p:cNvGrpSpPr/>
+        <p:nvPr/>
+      </p:nvGrpSpPr>
+      <p:grpSpPr>
+        <a:xfrm>
+          <a:off x="0" y="0"/>
+          <a:ext cx="0" cy="0"/>
+          <a:chOff x="0" y="0"/>
+          <a:chExt cx="0" cy="0"/>
+        </a:xfrm>
+      </p:grpSpPr>
+      <p:sp>
+        <p:nvSpPr>
+          <p:cNvPr id="2" name="Título 1">
+            <a:extLst>
+              <a:ext uri="{FF2B5EF4-FFF2-40B4-BE49-F238E27FC236}">
+                <a16:creationId xmlns:a16="http://schemas.microsoft.com/office/drawing/2014/main" id="{1EFC6BC8-F92F-675D-5D62-F59A0B7C0484}"/>
+              </a:ext>
+            </a:extLst>
+          </p:cNvPr>
+          <p:cNvSpPr>
+            <a:spLocks noGrp="1"/>
+          </p:cNvSpPr>
+          <p:nvPr>
+            <p:ph type="title"/>
+          </p:nvPr>
+        </p:nvSpPr>
+        <p:spPr/>
+        <p:txBody>
+          <a:bodyPr/>
+          <a:lstStyle/>
+          <a:p>
+            <a:r>
+              <a:rPr lang="es-ES" dirty="0"/>
+              <a:t>Librería </a:t>
+            </a:r>
+            <a:r>
+              <a:rPr lang="es-ES" dirty="0" err="1"/>
+              <a:t>wordcloud</a:t>
+            </a:r>
+            <a:endParaRPr lang="es-CO" dirty="0"/>
+          </a:p>
+        </p:txBody>
+      </p:sp>
+      <p:sp>
+        <p:nvSpPr>
+          <p:cNvPr id="3" name="Marcador de contenido 2">
+            <a:extLst>
+              <a:ext uri="{FF2B5EF4-FFF2-40B4-BE49-F238E27FC236}">
+                <a16:creationId xmlns:a16="http://schemas.microsoft.com/office/drawing/2014/main" id="{D04945A0-EFD5-6A79-7934-F35627CA6843}"/>
+              </a:ext>
+            </a:extLst>
+          </p:cNvPr>
+          <p:cNvSpPr>
+            <a:spLocks noGrp="1"/>
+          </p:cNvSpPr>
+          <p:nvPr>
+            <p:ph idx="1"/>
+          </p:nvPr>
+        </p:nvSpPr>
+        <p:spPr/>
+        <p:txBody>
+          <a:bodyPr/>
+          <a:lstStyle/>
+          <a:p>
+            <a:r>
+              <a:rPr lang="es-ES" dirty="0"/>
+              <a:t>Son librerías o paquetes de R, para generar nubes de palabras, </a:t>
+            </a:r>
+            <a:r>
+              <a:rPr lang="es-ES" dirty="0" err="1"/>
+              <a:t>ó</a:t>
+            </a:r>
+            <a:r>
+              <a:rPr lang="es-ES" dirty="0"/>
+              <a:t> </a:t>
+            </a:r>
+            <a:r>
+              <a:rPr lang="es-ES" dirty="0" err="1"/>
+              <a:t>WordCloud</a:t>
+            </a:r>
+            <a:r>
+              <a:rPr lang="es-ES" dirty="0"/>
+              <a:t> por su nombre en inglés. Una de ellas es wordcloud2 y la otra, </a:t>
+            </a:r>
+            <a:r>
+              <a:rPr lang="es-ES" dirty="0" err="1"/>
+              <a:t>wordcloud</a:t>
+            </a:r>
+            <a:r>
+              <a:rPr lang="es-ES" dirty="0"/>
+              <a:t>.</a:t>
+            </a:r>
+            <a:endParaRPr lang="es-CO" dirty="0"/>
+          </a:p>
+        </p:txBody>
+      </p:sp>
+    </p:spTree>
+    <p:extLst>
+      <p:ext uri="{BB962C8B-B14F-4D97-AF65-F5344CB8AC3E}">
+        <p14:creationId xmlns:p14="http://schemas.microsoft.com/office/powerpoint/2010/main" val="828722691"/>
       </p:ext>
     </p:extLst>
   </p:cSld>

--- a/QUE DEBES CONOCER PARA GANAR CUALQUER BATALLA.pptx
+++ b/QUE DEBES CONOCER PARA GANAR CUALQUER BATALLA.pptx
@@ -3904,6 +3904,16 @@
           <a:bodyPr/>
           <a:lstStyle/>
           <a:p>
+            <a:r>
+              <a:rPr lang="es-ES" b="0" i="0" dirty="0">
+                <a:solidFill>
+                  <a:srgbClr val="374151"/>
+                </a:solidFill>
+                <a:effectLst/>
+                <a:latin typeface="Söhne"/>
+              </a:rPr>
+              <a:t>Bienvenidos</a:t>
+            </a:r>
             <a:endParaRPr lang="es-CO" dirty="0"/>
           </a:p>
         </p:txBody>
